--- a/Presentation/Prototype.pptx
+++ b/Presentation/Prototype.pptx
@@ -4,6 +4,9 @@
   <p:sldMasterIdLst>
     <p:sldMasterId id="2147483660" r:id="rId1"/>
   </p:sldMasterIdLst>
+  <p:notesMasterIdLst>
+    <p:notesMasterId r:id="rId7"/>
+  </p:notesMasterIdLst>
   <p:sldIdLst>
     <p:sldId id="256" r:id="rId2"/>
     <p:sldId id="260" r:id="rId3"/>
@@ -108,7 +111,470 @@
       </a:defRPr>
     </a:lvl9pPr>
   </p:defaultTextStyle>
+  <p:extLst>
+    <p:ext uri="{EFAFB233-063F-42B5-8137-9DF3F51BA10A}">
+      <p15:sldGuideLst xmlns:p15="http://schemas.microsoft.com/office/powerpoint/2012/main"/>
+    </p:ext>
+  </p:extLst>
 </p:presentation>
+</file>
+
+<file path=ppt/notesMasters/notesMaster1.xml><?xml version="1.0" encoding="utf-8"?>
+<p:notesMaster xmlns:a="http://schemas.openxmlformats.org/drawingml/2006/main" xmlns:r="http://schemas.openxmlformats.org/officeDocument/2006/relationships" xmlns:p="http://schemas.openxmlformats.org/presentationml/2006/main">
+  <p:cSld>
+    <p:bg>
+      <p:bgRef idx="1001">
+        <a:schemeClr val="bg1"/>
+      </p:bgRef>
+    </p:bg>
+    <p:spTree>
+      <p:nvGrpSpPr>
+        <p:cNvPr id="1" name=""/>
+        <p:cNvGrpSpPr/>
+        <p:nvPr/>
+      </p:nvGrpSpPr>
+      <p:grpSpPr>
+        <a:xfrm>
+          <a:off x="0" y="0"/>
+          <a:ext cx="0" cy="0"/>
+          <a:chOff x="0" y="0"/>
+          <a:chExt cx="0" cy="0"/>
+        </a:xfrm>
+      </p:grpSpPr>
+      <p:sp>
+        <p:nvSpPr>
+          <p:cNvPr id="2" name="Espace réservé de l'en-tête 1"/>
+          <p:cNvSpPr>
+            <a:spLocks noGrp="1"/>
+          </p:cNvSpPr>
+          <p:nvPr>
+            <p:ph type="hdr" sz="quarter"/>
+          </p:nvPr>
+        </p:nvSpPr>
+        <p:spPr>
+          <a:xfrm>
+            <a:off x="0" y="0"/>
+            <a:ext cx="2971800" cy="458788"/>
+          </a:xfrm>
+          <a:prstGeom prst="rect">
+            <a:avLst/>
+          </a:prstGeom>
+        </p:spPr>
+        <p:txBody>
+          <a:bodyPr vert="horz" lIns="91440" tIns="45720" rIns="91440" bIns="45720" rtlCol="0"/>
+          <a:lstStyle>
+            <a:lvl1pPr algn="l">
+              <a:defRPr sz="1200"/>
+            </a:lvl1pPr>
+          </a:lstStyle>
+          <a:p>
+            <a:endParaRPr lang="fr-CH"/>
+          </a:p>
+        </p:txBody>
+      </p:sp>
+      <p:sp>
+        <p:nvSpPr>
+          <p:cNvPr id="3" name="Espace réservé de la date 2"/>
+          <p:cNvSpPr>
+            <a:spLocks noGrp="1"/>
+          </p:cNvSpPr>
+          <p:nvPr>
+            <p:ph type="dt" idx="1"/>
+          </p:nvPr>
+        </p:nvSpPr>
+        <p:spPr>
+          <a:xfrm>
+            <a:off x="3884613" y="0"/>
+            <a:ext cx="2971800" cy="458788"/>
+          </a:xfrm>
+          <a:prstGeom prst="rect">
+            <a:avLst/>
+          </a:prstGeom>
+        </p:spPr>
+        <p:txBody>
+          <a:bodyPr vert="horz" lIns="91440" tIns="45720" rIns="91440" bIns="45720" rtlCol="0"/>
+          <a:lstStyle>
+            <a:lvl1pPr algn="r">
+              <a:defRPr sz="1200"/>
+            </a:lvl1pPr>
+          </a:lstStyle>
+          <a:p>
+            <a:fld id="{7D40A499-B947-4BA1-B100-93C753879AA1}" type="datetimeFigureOut">
+              <a:rPr lang="fr-CH" smtClean="0"/>
+              <a:t>07.05.2015</a:t>
+            </a:fld>
+            <a:endParaRPr lang="fr-CH"/>
+          </a:p>
+        </p:txBody>
+      </p:sp>
+      <p:sp>
+        <p:nvSpPr>
+          <p:cNvPr id="4" name="Espace réservé de l'image des diapositives 3"/>
+          <p:cNvSpPr>
+            <a:spLocks noGrp="1" noRot="1" noChangeAspect="1"/>
+          </p:cNvSpPr>
+          <p:nvPr>
+            <p:ph type="sldImg" idx="2"/>
+          </p:nvPr>
+        </p:nvSpPr>
+        <p:spPr>
+          <a:xfrm>
+            <a:off x="685800" y="1143000"/>
+            <a:ext cx="5486400" cy="3086100"/>
+          </a:xfrm>
+          <a:prstGeom prst="rect">
+            <a:avLst/>
+          </a:prstGeom>
+          <a:noFill/>
+          <a:ln w="12700">
+            <a:solidFill>
+              <a:prstClr val="black"/>
+            </a:solidFill>
+          </a:ln>
+        </p:spPr>
+        <p:txBody>
+          <a:bodyPr vert="horz" lIns="91440" tIns="45720" rIns="91440" bIns="45720" rtlCol="0" anchor="ctr"/>
+          <a:lstStyle/>
+          <a:p>
+            <a:endParaRPr lang="fr-CH"/>
+          </a:p>
+        </p:txBody>
+      </p:sp>
+      <p:sp>
+        <p:nvSpPr>
+          <p:cNvPr id="5" name="Espace réservé des commentaires 4"/>
+          <p:cNvSpPr>
+            <a:spLocks noGrp="1"/>
+          </p:cNvSpPr>
+          <p:nvPr>
+            <p:ph type="body" sz="quarter" idx="3"/>
+          </p:nvPr>
+        </p:nvSpPr>
+        <p:spPr>
+          <a:xfrm>
+            <a:off x="685800" y="4400550"/>
+            <a:ext cx="5486400" cy="3600450"/>
+          </a:xfrm>
+          <a:prstGeom prst="rect">
+            <a:avLst/>
+          </a:prstGeom>
+        </p:spPr>
+        <p:txBody>
+          <a:bodyPr vert="horz" lIns="91440" tIns="45720" rIns="91440" bIns="45720" rtlCol="0"/>
+          <a:lstStyle/>
+          <a:p>
+            <a:pPr lvl="0"/>
+            <a:r>
+              <a:rPr lang="fr-FR" smtClean="0"/>
+              <a:t>Modifiez les styles du texte du masque</a:t>
+            </a:r>
+          </a:p>
+          <a:p>
+            <a:pPr lvl="1"/>
+            <a:r>
+              <a:rPr lang="fr-FR" smtClean="0"/>
+              <a:t>Deuxième niveau</a:t>
+            </a:r>
+          </a:p>
+          <a:p>
+            <a:pPr lvl="2"/>
+            <a:r>
+              <a:rPr lang="fr-FR" smtClean="0"/>
+              <a:t>Troisième niveau</a:t>
+            </a:r>
+          </a:p>
+          <a:p>
+            <a:pPr lvl="3"/>
+            <a:r>
+              <a:rPr lang="fr-FR" smtClean="0"/>
+              <a:t>Quatrième niveau</a:t>
+            </a:r>
+          </a:p>
+          <a:p>
+            <a:pPr lvl="4"/>
+            <a:r>
+              <a:rPr lang="fr-FR" smtClean="0"/>
+              <a:t>Cinquième niveau</a:t>
+            </a:r>
+            <a:endParaRPr lang="fr-CH"/>
+          </a:p>
+        </p:txBody>
+      </p:sp>
+      <p:sp>
+        <p:nvSpPr>
+          <p:cNvPr id="6" name="Espace réservé du pied de page 5"/>
+          <p:cNvSpPr>
+            <a:spLocks noGrp="1"/>
+          </p:cNvSpPr>
+          <p:nvPr>
+            <p:ph type="ftr" sz="quarter" idx="4"/>
+          </p:nvPr>
+        </p:nvSpPr>
+        <p:spPr>
+          <a:xfrm>
+            <a:off x="0" y="8685213"/>
+            <a:ext cx="2971800" cy="458787"/>
+          </a:xfrm>
+          <a:prstGeom prst="rect">
+            <a:avLst/>
+          </a:prstGeom>
+        </p:spPr>
+        <p:txBody>
+          <a:bodyPr vert="horz" lIns="91440" tIns="45720" rIns="91440" bIns="45720" rtlCol="0" anchor="b"/>
+          <a:lstStyle>
+            <a:lvl1pPr algn="l">
+              <a:defRPr sz="1200"/>
+            </a:lvl1pPr>
+          </a:lstStyle>
+          <a:p>
+            <a:endParaRPr lang="fr-CH"/>
+          </a:p>
+        </p:txBody>
+      </p:sp>
+      <p:sp>
+        <p:nvSpPr>
+          <p:cNvPr id="7" name="Espace réservé du numéro de diapositive 6"/>
+          <p:cNvSpPr>
+            <a:spLocks noGrp="1"/>
+          </p:cNvSpPr>
+          <p:nvPr>
+            <p:ph type="sldNum" sz="quarter" idx="5"/>
+          </p:nvPr>
+        </p:nvSpPr>
+        <p:spPr>
+          <a:xfrm>
+            <a:off x="3884613" y="8685213"/>
+            <a:ext cx="2971800" cy="458787"/>
+          </a:xfrm>
+          <a:prstGeom prst="rect">
+            <a:avLst/>
+          </a:prstGeom>
+        </p:spPr>
+        <p:txBody>
+          <a:bodyPr vert="horz" lIns="91440" tIns="45720" rIns="91440" bIns="45720" rtlCol="0" anchor="b"/>
+          <a:lstStyle>
+            <a:lvl1pPr algn="r">
+              <a:defRPr sz="1200"/>
+            </a:lvl1pPr>
+          </a:lstStyle>
+          <a:p>
+            <a:fld id="{ACB99FAF-9BFD-4C02-9F7C-D7DF5E98E461}" type="slidenum">
+              <a:rPr lang="fr-CH" smtClean="0"/>
+              <a:t>‹N°›</a:t>
+            </a:fld>
+            <a:endParaRPr lang="fr-CH"/>
+          </a:p>
+        </p:txBody>
+      </p:sp>
+    </p:spTree>
+    <p:extLst>
+      <p:ext uri="{BB962C8B-B14F-4D97-AF65-F5344CB8AC3E}">
+        <p14:creationId xmlns:p14="http://schemas.microsoft.com/office/powerpoint/2010/main" val="314939828"/>
+      </p:ext>
+    </p:extLst>
+  </p:cSld>
+  <p:clrMap bg1="lt1" tx1="dk1" bg2="lt2" tx2="dk2" accent1="accent1" accent2="accent2" accent3="accent3" accent4="accent4" accent5="accent5" accent6="accent6" hlink="hlink" folHlink="folHlink"/>
+  <p:notesStyle>
+    <a:lvl1pPr marL="0" algn="l" defTabSz="914400" rtl="0" eaLnBrk="1" latinLnBrk="0" hangingPunct="1">
+      <a:defRPr sz="1200" kern="1200">
+        <a:solidFill>
+          <a:schemeClr val="tx1"/>
+        </a:solidFill>
+        <a:latin typeface="+mn-lt"/>
+        <a:ea typeface="+mn-ea"/>
+        <a:cs typeface="+mn-cs"/>
+      </a:defRPr>
+    </a:lvl1pPr>
+    <a:lvl2pPr marL="457200" algn="l" defTabSz="914400" rtl="0" eaLnBrk="1" latinLnBrk="0" hangingPunct="1">
+      <a:defRPr sz="1200" kern="1200">
+        <a:solidFill>
+          <a:schemeClr val="tx1"/>
+        </a:solidFill>
+        <a:latin typeface="+mn-lt"/>
+        <a:ea typeface="+mn-ea"/>
+        <a:cs typeface="+mn-cs"/>
+      </a:defRPr>
+    </a:lvl2pPr>
+    <a:lvl3pPr marL="914400" algn="l" defTabSz="914400" rtl="0" eaLnBrk="1" latinLnBrk="0" hangingPunct="1">
+      <a:defRPr sz="1200" kern="1200">
+        <a:solidFill>
+          <a:schemeClr val="tx1"/>
+        </a:solidFill>
+        <a:latin typeface="+mn-lt"/>
+        <a:ea typeface="+mn-ea"/>
+        <a:cs typeface="+mn-cs"/>
+      </a:defRPr>
+    </a:lvl3pPr>
+    <a:lvl4pPr marL="1371600" algn="l" defTabSz="914400" rtl="0" eaLnBrk="1" latinLnBrk="0" hangingPunct="1">
+      <a:defRPr sz="1200" kern="1200">
+        <a:solidFill>
+          <a:schemeClr val="tx1"/>
+        </a:solidFill>
+        <a:latin typeface="+mn-lt"/>
+        <a:ea typeface="+mn-ea"/>
+        <a:cs typeface="+mn-cs"/>
+      </a:defRPr>
+    </a:lvl4pPr>
+    <a:lvl5pPr marL="1828800" algn="l" defTabSz="914400" rtl="0" eaLnBrk="1" latinLnBrk="0" hangingPunct="1">
+      <a:defRPr sz="1200" kern="1200">
+        <a:solidFill>
+          <a:schemeClr val="tx1"/>
+        </a:solidFill>
+        <a:latin typeface="+mn-lt"/>
+        <a:ea typeface="+mn-ea"/>
+        <a:cs typeface="+mn-cs"/>
+      </a:defRPr>
+    </a:lvl5pPr>
+    <a:lvl6pPr marL="2286000" algn="l" defTabSz="914400" rtl="0" eaLnBrk="1" latinLnBrk="0" hangingPunct="1">
+      <a:defRPr sz="1200" kern="1200">
+        <a:solidFill>
+          <a:schemeClr val="tx1"/>
+        </a:solidFill>
+        <a:latin typeface="+mn-lt"/>
+        <a:ea typeface="+mn-ea"/>
+        <a:cs typeface="+mn-cs"/>
+      </a:defRPr>
+    </a:lvl6pPr>
+    <a:lvl7pPr marL="2743200" algn="l" defTabSz="914400" rtl="0" eaLnBrk="1" latinLnBrk="0" hangingPunct="1">
+      <a:defRPr sz="1200" kern="1200">
+        <a:solidFill>
+          <a:schemeClr val="tx1"/>
+        </a:solidFill>
+        <a:latin typeface="+mn-lt"/>
+        <a:ea typeface="+mn-ea"/>
+        <a:cs typeface="+mn-cs"/>
+      </a:defRPr>
+    </a:lvl7pPr>
+    <a:lvl8pPr marL="3200400" algn="l" defTabSz="914400" rtl="0" eaLnBrk="1" latinLnBrk="0" hangingPunct="1">
+      <a:defRPr sz="1200" kern="1200">
+        <a:solidFill>
+          <a:schemeClr val="tx1"/>
+        </a:solidFill>
+        <a:latin typeface="+mn-lt"/>
+        <a:ea typeface="+mn-ea"/>
+        <a:cs typeface="+mn-cs"/>
+      </a:defRPr>
+    </a:lvl8pPr>
+    <a:lvl9pPr marL="3657600" algn="l" defTabSz="914400" rtl="0" eaLnBrk="1" latinLnBrk="0" hangingPunct="1">
+      <a:defRPr sz="1200" kern="1200">
+        <a:solidFill>
+          <a:schemeClr val="tx1"/>
+        </a:solidFill>
+        <a:latin typeface="+mn-lt"/>
+        <a:ea typeface="+mn-ea"/>
+        <a:cs typeface="+mn-cs"/>
+      </a:defRPr>
+    </a:lvl9pPr>
+  </p:notesStyle>
+</p:notesMaster>
+</file>
+
+<file path=ppt/notesSlides/notesSlide1.xml><?xml version="1.0" encoding="utf-8"?>
+<p:notes xmlns:a="http://schemas.openxmlformats.org/drawingml/2006/main" xmlns:r="http://schemas.openxmlformats.org/officeDocument/2006/relationships" xmlns:p="http://schemas.openxmlformats.org/presentationml/2006/main">
+  <p:cSld>
+    <p:spTree>
+      <p:nvGrpSpPr>
+        <p:cNvPr id="1" name=""/>
+        <p:cNvGrpSpPr/>
+        <p:nvPr/>
+      </p:nvGrpSpPr>
+      <p:grpSpPr>
+        <a:xfrm>
+          <a:off x="0" y="0"/>
+          <a:ext cx="0" cy="0"/>
+          <a:chOff x="0" y="0"/>
+          <a:chExt cx="0" cy="0"/>
+        </a:xfrm>
+      </p:grpSpPr>
+      <p:sp>
+        <p:nvSpPr>
+          <p:cNvPr id="2" name="Espace réservé de l'image des diapositives 1"/>
+          <p:cNvSpPr>
+            <a:spLocks noGrp="1" noRot="1" noChangeAspect="1"/>
+          </p:cNvSpPr>
+          <p:nvPr>
+            <p:ph type="sldImg"/>
+          </p:nvPr>
+        </p:nvSpPr>
+        <p:spPr/>
+      </p:sp>
+      <p:sp>
+        <p:nvSpPr>
+          <p:cNvPr id="3" name="Espace réservé des commentaires 2"/>
+          <p:cNvSpPr>
+            <a:spLocks noGrp="1"/>
+          </p:cNvSpPr>
+          <p:nvPr>
+            <p:ph type="body" idx="1"/>
+          </p:nvPr>
+        </p:nvSpPr>
+        <p:spPr/>
+        <p:txBody>
+          <a:bodyPr/>
+          <a:lstStyle/>
+          <a:p>
+            <a:r>
+              <a:rPr lang="fr-CH" dirty="0" smtClean="0"/>
+              <a:t>Prototype déclare une interface pour se cloner</a:t>
+            </a:r>
+          </a:p>
+          <a:p>
+            <a:r>
+              <a:rPr lang="fr-CH" dirty="0" err="1" smtClean="0"/>
+              <a:t>ConcretePrototype</a:t>
+            </a:r>
+            <a:r>
+              <a:rPr lang="fr-CH" baseline="0" dirty="0" smtClean="0"/>
+              <a:t> implémente une méthode pour se cloner</a:t>
+            </a:r>
+          </a:p>
+          <a:p>
+            <a:r>
+              <a:rPr lang="fr-CH" baseline="0" smtClean="0"/>
+              <a:t>Client </a:t>
+            </a:r>
+            <a:r>
+              <a:rPr lang="fr-CH" baseline="0" dirty="0" smtClean="0"/>
+              <a:t>crée un nouvel objet et demande au prototype de se cloner</a:t>
+            </a:r>
+            <a:endParaRPr lang="fr-CH" dirty="0"/>
+          </a:p>
+        </p:txBody>
+      </p:sp>
+      <p:sp>
+        <p:nvSpPr>
+          <p:cNvPr id="4" name="Espace réservé du numéro de diapositive 3"/>
+          <p:cNvSpPr>
+            <a:spLocks noGrp="1"/>
+          </p:cNvSpPr>
+          <p:nvPr>
+            <p:ph type="sldNum" sz="quarter" idx="10"/>
+          </p:nvPr>
+        </p:nvSpPr>
+        <p:spPr/>
+        <p:txBody>
+          <a:bodyPr/>
+          <a:lstStyle/>
+          <a:p>
+            <a:fld id="{ACB99FAF-9BFD-4C02-9F7C-D7DF5E98E461}" type="slidenum">
+              <a:rPr lang="fr-CH" smtClean="0"/>
+              <a:t>5</a:t>
+            </a:fld>
+            <a:endParaRPr lang="fr-CH"/>
+          </a:p>
+        </p:txBody>
+      </p:sp>
+    </p:spTree>
+    <p:extLst>
+      <p:ext uri="{BB962C8B-B14F-4D97-AF65-F5344CB8AC3E}">
+        <p14:creationId xmlns:p14="http://schemas.microsoft.com/office/powerpoint/2010/main" val="1625213723"/>
+      </p:ext>
+    </p:extLst>
+  </p:cSld>
+  <p:clrMapOvr>
+    <a:masterClrMapping/>
+  </p:clrMapOvr>
+</p:notes>
 </file>
 
 <file path=ppt/slideLayouts/slideLayout1.xml><?xml version="1.0" encoding="utf-8"?>
@@ -833,7 +1299,7 @@
           <a:p>
             <a:fld id="{BB1B1333-0921-488D-96BA-D3A8FB3E23FD}" type="datetimeFigureOut">
               <a:rPr lang="fr-CH" smtClean="0"/>
-              <a:t>30.04.2015</a:t>
+              <a:t>07.05.2015</a:t>
             </a:fld>
             <a:endParaRPr lang="fr-CH"/>
           </a:p>
@@ -1084,7 +1550,7 @@
           <a:p>
             <a:fld id="{BB1B1333-0921-488D-96BA-D3A8FB3E23FD}" type="datetimeFigureOut">
               <a:rPr lang="fr-CH" smtClean="0"/>
-              <a:t>30.04.2015</a:t>
+              <a:t>07.05.2015</a:t>
             </a:fld>
             <a:endParaRPr lang="fr-CH"/>
           </a:p>
@@ -1398,7 +1864,7 @@
           <a:p>
             <a:fld id="{BB1B1333-0921-488D-96BA-D3A8FB3E23FD}" type="datetimeFigureOut">
               <a:rPr lang="fr-CH" smtClean="0"/>
-              <a:t>30.04.2015</a:t>
+              <a:t>07.05.2015</a:t>
             </a:fld>
             <a:endParaRPr lang="fr-CH"/>
           </a:p>
@@ -1739,7 +2205,7 @@
           <a:p>
             <a:fld id="{BB1B1333-0921-488D-96BA-D3A8FB3E23FD}" type="datetimeFigureOut">
               <a:rPr lang="fr-CH" smtClean="0"/>
-              <a:t>30.04.2015</a:t>
+              <a:t>07.05.2015</a:t>
             </a:fld>
             <a:endParaRPr lang="fr-CH"/>
           </a:p>
@@ -2053,7 +2519,7 @@
           <a:p>
             <a:fld id="{BB1B1333-0921-488D-96BA-D3A8FB3E23FD}" type="datetimeFigureOut">
               <a:rPr lang="fr-CH" smtClean="0"/>
-              <a:t>30.04.2015</a:t>
+              <a:t>07.05.2015</a:t>
             </a:fld>
             <a:endParaRPr lang="fr-CH"/>
           </a:p>
@@ -2446,7 +2912,7 @@
           <a:p>
             <a:fld id="{BB1B1333-0921-488D-96BA-D3A8FB3E23FD}" type="datetimeFigureOut">
               <a:rPr lang="fr-CH" smtClean="0"/>
-              <a:t>30.04.2015</a:t>
+              <a:t>07.05.2015</a:t>
             </a:fld>
             <a:endParaRPr lang="fr-CH"/>
           </a:p>
@@ -2616,7 +3082,7 @@
           <a:p>
             <a:fld id="{BB1B1333-0921-488D-96BA-D3A8FB3E23FD}" type="datetimeFigureOut">
               <a:rPr lang="fr-CH" smtClean="0"/>
-              <a:t>30.04.2015</a:t>
+              <a:t>07.05.2015</a:t>
             </a:fld>
             <a:endParaRPr lang="fr-CH"/>
           </a:p>
@@ -2796,7 +3262,7 @@
           <a:p>
             <a:fld id="{BB1B1333-0921-488D-96BA-D3A8FB3E23FD}" type="datetimeFigureOut">
               <a:rPr lang="fr-CH" smtClean="0"/>
-              <a:t>30.04.2015</a:t>
+              <a:t>07.05.2015</a:t>
             </a:fld>
             <a:endParaRPr lang="fr-CH"/>
           </a:p>
@@ -2972,7 +3438,7 @@
           <a:p>
             <a:fld id="{BB1B1333-0921-488D-96BA-D3A8FB3E23FD}" type="datetimeFigureOut">
               <a:rPr lang="fr-CH" smtClean="0"/>
-              <a:t>30.04.2015</a:t>
+              <a:t>07.05.2015</a:t>
             </a:fld>
             <a:endParaRPr lang="fr-CH"/>
           </a:p>
@@ -3219,7 +3685,7 @@
           <a:p>
             <a:fld id="{BB1B1333-0921-488D-96BA-D3A8FB3E23FD}" type="datetimeFigureOut">
               <a:rPr lang="fr-CH" smtClean="0"/>
-              <a:t>30.04.2015</a:t>
+              <a:t>07.05.2015</a:t>
             </a:fld>
             <a:endParaRPr lang="fr-CH"/>
           </a:p>
@@ -3451,7 +3917,7 @@
           <a:p>
             <a:fld id="{BB1B1333-0921-488D-96BA-D3A8FB3E23FD}" type="datetimeFigureOut">
               <a:rPr lang="fr-CH" smtClean="0"/>
-              <a:t>30.04.2015</a:t>
+              <a:t>07.05.2015</a:t>
             </a:fld>
             <a:endParaRPr lang="fr-CH"/>
           </a:p>
@@ -3825,7 +4291,7 @@
           <a:p>
             <a:fld id="{BB1B1333-0921-488D-96BA-D3A8FB3E23FD}" type="datetimeFigureOut">
               <a:rPr lang="fr-CH" smtClean="0"/>
-              <a:t>30.04.2015</a:t>
+              <a:t>07.05.2015</a:t>
             </a:fld>
             <a:endParaRPr lang="fr-CH"/>
           </a:p>
@@ -3948,7 +4414,7 @@
           <a:p>
             <a:fld id="{BB1B1333-0921-488D-96BA-D3A8FB3E23FD}" type="datetimeFigureOut">
               <a:rPr lang="fr-CH" smtClean="0"/>
-              <a:t>30.04.2015</a:t>
+              <a:t>07.05.2015</a:t>
             </a:fld>
             <a:endParaRPr lang="fr-CH"/>
           </a:p>
@@ -4043,7 +4509,7 @@
           <a:p>
             <a:fld id="{BB1B1333-0921-488D-96BA-D3A8FB3E23FD}" type="datetimeFigureOut">
               <a:rPr lang="fr-CH" smtClean="0"/>
-              <a:t>30.04.2015</a:t>
+              <a:t>07.05.2015</a:t>
             </a:fld>
             <a:endParaRPr lang="fr-CH"/>
           </a:p>
@@ -4298,7 +4764,7 @@
           <a:p>
             <a:fld id="{BB1B1333-0921-488D-96BA-D3A8FB3E23FD}" type="datetimeFigureOut">
               <a:rPr lang="fr-CH" smtClean="0"/>
-              <a:t>30.04.2015</a:t>
+              <a:t>07.05.2015</a:t>
             </a:fld>
             <a:endParaRPr lang="fr-CH"/>
           </a:p>
@@ -4561,7 +5027,7 @@
           <a:p>
             <a:fld id="{BB1B1333-0921-488D-96BA-D3A8FB3E23FD}" type="datetimeFigureOut">
               <a:rPr lang="fr-CH" smtClean="0"/>
-              <a:t>30.04.2015</a:t>
+              <a:t>07.05.2015</a:t>
             </a:fld>
             <a:endParaRPr lang="fr-CH"/>
           </a:p>
@@ -5304,7 +5770,7 @@
           <a:p>
             <a:fld id="{BB1B1333-0921-488D-96BA-D3A8FB3E23FD}" type="datetimeFigureOut">
               <a:rPr lang="fr-CH" smtClean="0"/>
-              <a:t>30.04.2015</a:t>
+              <a:t>07.05.2015</a:t>
             </a:fld>
             <a:endParaRPr lang="fr-CH"/>
           </a:p>
@@ -6165,25 +6631,32 @@
           </a:p>
         </p:txBody>
       </p:sp>
-      <p:sp>
-        <p:nvSpPr>
-          <p:cNvPr id="3" name="Espace réservé du contenu 2"/>
-          <p:cNvSpPr>
-            <a:spLocks noGrp="1"/>
-          </p:cNvSpPr>
+      <p:pic>
+        <p:nvPicPr>
+          <p:cNvPr id="4" name="Espace réservé du contenu 3"/>
+          <p:cNvPicPr>
+            <a:picLocks noGrp="1" noChangeAspect="1"/>
+          </p:cNvPicPr>
           <p:nvPr>
             <p:ph idx="1"/>
           </p:nvPr>
-        </p:nvSpPr>
-        <p:spPr/>
-        <p:txBody>
-          <a:bodyPr/>
-          <a:lstStyle/>
-          <a:p>
-            <a:endParaRPr lang="fr-CH"/>
-          </a:p>
-        </p:txBody>
-      </p:sp>
+        </p:nvPicPr>
+        <p:blipFill>
+          <a:blip r:embed="rId3"/>
+          <a:stretch>
+            <a:fillRect/>
+          </a:stretch>
+        </p:blipFill>
+        <p:spPr>
+          <a:xfrm>
+            <a:off x="2689214" y="1552576"/>
+            <a:ext cx="5503885" cy="3791752"/>
+          </a:xfrm>
+          <a:prstGeom prst="rect">
+            <a:avLst/>
+          </a:prstGeom>
+        </p:spPr>
+      </p:pic>
     </p:spTree>
     <p:extLst>
       <p:ext uri="{BB962C8B-B14F-4D97-AF65-F5344CB8AC3E}">
@@ -6452,4 +6925,265 @@
     </a:ext>
   </a:extLst>
 </a:theme>
+</file>
+
+<file path=ppt/theme/theme2.xml><?xml version="1.0" encoding="utf-8"?>
+<a:theme xmlns:a="http://schemas.openxmlformats.org/drawingml/2006/main" name="Thème Office">
+  <a:themeElements>
+    <a:clrScheme name="Office">
+      <a:dk1>
+        <a:sysClr val="windowText" lastClr="000000"/>
+      </a:dk1>
+      <a:lt1>
+        <a:sysClr val="window" lastClr="FFFFFF"/>
+      </a:lt1>
+      <a:dk2>
+        <a:srgbClr val="44546A"/>
+      </a:dk2>
+      <a:lt2>
+        <a:srgbClr val="E7E6E6"/>
+      </a:lt2>
+      <a:accent1>
+        <a:srgbClr val="5B9BD5"/>
+      </a:accent1>
+      <a:accent2>
+        <a:srgbClr val="ED7D31"/>
+      </a:accent2>
+      <a:accent3>
+        <a:srgbClr val="A5A5A5"/>
+      </a:accent3>
+      <a:accent4>
+        <a:srgbClr val="FFC000"/>
+      </a:accent4>
+      <a:accent5>
+        <a:srgbClr val="4472C4"/>
+      </a:accent5>
+      <a:accent6>
+        <a:srgbClr val="70AD47"/>
+      </a:accent6>
+      <a:hlink>
+        <a:srgbClr val="0563C1"/>
+      </a:hlink>
+      <a:folHlink>
+        <a:srgbClr val="954F72"/>
+      </a:folHlink>
+    </a:clrScheme>
+    <a:fontScheme name="Office">
+      <a:majorFont>
+        <a:latin typeface="Calibri Light" panose="020F0302020204030204"/>
+        <a:ea typeface=""/>
+        <a:cs typeface=""/>
+        <a:font script="Jpan" typeface="ＭＳ Ｐゴシック"/>
+        <a:font script="Hang" typeface="맑은 고딕"/>
+        <a:font script="Hans" typeface="宋体"/>
+        <a:font script="Hant" typeface="新細明體"/>
+        <a:font script="Arab" typeface="Times New Roman"/>
+        <a:font script="Hebr" typeface="Times New Roman"/>
+        <a:font script="Thai" typeface="Angsana New"/>
+        <a:font script="Ethi" typeface="Nyala"/>
+        <a:font script="Beng" typeface="Vrinda"/>
+        <a:font script="Gujr" typeface="Shruti"/>
+        <a:font script="Khmr" typeface="MoolBoran"/>
+        <a:font script="Knda" typeface="Tunga"/>
+        <a:font script="Guru" typeface="Raavi"/>
+        <a:font script="Cans" typeface="Euphemia"/>
+        <a:font script="Cher" typeface="Plantagenet Cherokee"/>
+        <a:font script="Yiii" typeface="Microsoft Yi Baiti"/>
+        <a:font script="Tibt" typeface="Microsoft Himalaya"/>
+        <a:font script="Thaa" typeface="MV Boli"/>
+        <a:font script="Deva" typeface="Mangal"/>
+        <a:font script="Telu" typeface="Gautami"/>
+        <a:font script="Taml" typeface="Latha"/>
+        <a:font script="Syrc" typeface="Estrangelo Edessa"/>
+        <a:font script="Orya" typeface="Kalinga"/>
+        <a:font script="Mlym" typeface="Kartika"/>
+        <a:font script="Laoo" typeface="DokChampa"/>
+        <a:font script="Sinh" typeface="Iskoola Pota"/>
+        <a:font script="Mong" typeface="Mongolian Baiti"/>
+        <a:font script="Viet" typeface="Times New Roman"/>
+        <a:font script="Uigh" typeface="Microsoft Uighur"/>
+        <a:font script="Geor" typeface="Sylfaen"/>
+      </a:majorFont>
+      <a:minorFont>
+        <a:latin typeface="Calibri" panose="020F0502020204030204"/>
+        <a:ea typeface=""/>
+        <a:cs typeface=""/>
+        <a:font script="Jpan" typeface="ＭＳ Ｐゴシック"/>
+        <a:font script="Hang" typeface="맑은 고딕"/>
+        <a:font script="Hans" typeface="宋体"/>
+        <a:font script="Hant" typeface="新細明體"/>
+        <a:font script="Arab" typeface="Arial"/>
+        <a:font script="Hebr" typeface="Arial"/>
+        <a:font script="Thai" typeface="Cordia New"/>
+        <a:font script="Ethi" typeface="Nyala"/>
+        <a:font script="Beng" typeface="Vrinda"/>
+        <a:font script="Gujr" typeface="Shruti"/>
+        <a:font script="Khmr" typeface="DaunPenh"/>
+        <a:font script="Knda" typeface="Tunga"/>
+        <a:font script="Guru" typeface="Raavi"/>
+        <a:font script="Cans" typeface="Euphemia"/>
+        <a:font script="Cher" typeface="Plantagenet Cherokee"/>
+        <a:font script="Yiii" typeface="Microsoft Yi Baiti"/>
+        <a:font script="Tibt" typeface="Microsoft Himalaya"/>
+        <a:font script="Thaa" typeface="MV Boli"/>
+        <a:font script="Deva" typeface="Mangal"/>
+        <a:font script="Telu" typeface="Gautami"/>
+        <a:font script="Taml" typeface="Latha"/>
+        <a:font script="Syrc" typeface="Estrangelo Edessa"/>
+        <a:font script="Orya" typeface="Kalinga"/>
+        <a:font script="Mlym" typeface="Kartika"/>
+        <a:font script="Laoo" typeface="DokChampa"/>
+        <a:font script="Sinh" typeface="Iskoola Pota"/>
+        <a:font script="Mong" typeface="Mongolian Baiti"/>
+        <a:font script="Viet" typeface="Arial"/>
+        <a:font script="Uigh" typeface="Microsoft Uighur"/>
+        <a:font script="Geor" typeface="Sylfaen"/>
+      </a:minorFont>
+    </a:fontScheme>
+    <a:fmtScheme name="Office">
+      <a:fillStyleLst>
+        <a:solidFill>
+          <a:schemeClr val="phClr"/>
+        </a:solidFill>
+        <a:gradFill rotWithShape="1">
+          <a:gsLst>
+            <a:gs pos="0">
+              <a:schemeClr val="phClr">
+                <a:lumMod val="110000"/>
+                <a:satMod val="105000"/>
+                <a:tint val="67000"/>
+              </a:schemeClr>
+            </a:gs>
+            <a:gs pos="50000">
+              <a:schemeClr val="phClr">
+                <a:lumMod val="105000"/>
+                <a:satMod val="103000"/>
+                <a:tint val="73000"/>
+              </a:schemeClr>
+            </a:gs>
+            <a:gs pos="100000">
+              <a:schemeClr val="phClr">
+                <a:lumMod val="105000"/>
+                <a:satMod val="109000"/>
+                <a:tint val="81000"/>
+              </a:schemeClr>
+            </a:gs>
+          </a:gsLst>
+          <a:lin ang="5400000" scaled="0"/>
+        </a:gradFill>
+        <a:gradFill rotWithShape="1">
+          <a:gsLst>
+            <a:gs pos="0">
+              <a:schemeClr val="phClr">
+                <a:satMod val="103000"/>
+                <a:lumMod val="102000"/>
+                <a:tint val="94000"/>
+              </a:schemeClr>
+            </a:gs>
+            <a:gs pos="50000">
+              <a:schemeClr val="phClr">
+                <a:satMod val="110000"/>
+                <a:lumMod val="100000"/>
+                <a:shade val="100000"/>
+              </a:schemeClr>
+            </a:gs>
+            <a:gs pos="100000">
+              <a:schemeClr val="phClr">
+                <a:lumMod val="99000"/>
+                <a:satMod val="120000"/>
+                <a:shade val="78000"/>
+              </a:schemeClr>
+            </a:gs>
+          </a:gsLst>
+          <a:lin ang="5400000" scaled="0"/>
+        </a:gradFill>
+      </a:fillStyleLst>
+      <a:lnStyleLst>
+        <a:ln w="6350" cap="flat" cmpd="sng" algn="ctr">
+          <a:solidFill>
+            <a:schemeClr val="phClr"/>
+          </a:solidFill>
+          <a:prstDash val="solid"/>
+          <a:miter lim="800000"/>
+        </a:ln>
+        <a:ln w="12700" cap="flat" cmpd="sng" algn="ctr">
+          <a:solidFill>
+            <a:schemeClr val="phClr"/>
+          </a:solidFill>
+          <a:prstDash val="solid"/>
+          <a:miter lim="800000"/>
+        </a:ln>
+        <a:ln w="19050" cap="flat" cmpd="sng" algn="ctr">
+          <a:solidFill>
+            <a:schemeClr val="phClr"/>
+          </a:solidFill>
+          <a:prstDash val="solid"/>
+          <a:miter lim="800000"/>
+        </a:ln>
+      </a:lnStyleLst>
+      <a:effectStyleLst>
+        <a:effectStyle>
+          <a:effectLst/>
+        </a:effectStyle>
+        <a:effectStyle>
+          <a:effectLst/>
+        </a:effectStyle>
+        <a:effectStyle>
+          <a:effectLst>
+            <a:outerShdw blurRad="57150" dist="19050" dir="5400000" algn="ctr" rotWithShape="0">
+              <a:srgbClr val="000000">
+                <a:alpha val="63000"/>
+              </a:srgbClr>
+            </a:outerShdw>
+          </a:effectLst>
+        </a:effectStyle>
+      </a:effectStyleLst>
+      <a:bgFillStyleLst>
+        <a:solidFill>
+          <a:schemeClr val="phClr"/>
+        </a:solidFill>
+        <a:solidFill>
+          <a:schemeClr val="phClr">
+            <a:tint val="95000"/>
+            <a:satMod val="170000"/>
+          </a:schemeClr>
+        </a:solidFill>
+        <a:gradFill rotWithShape="1">
+          <a:gsLst>
+            <a:gs pos="0">
+              <a:schemeClr val="phClr">
+                <a:tint val="93000"/>
+                <a:satMod val="150000"/>
+                <a:shade val="98000"/>
+                <a:lumMod val="102000"/>
+              </a:schemeClr>
+            </a:gs>
+            <a:gs pos="50000">
+              <a:schemeClr val="phClr">
+                <a:tint val="98000"/>
+                <a:satMod val="130000"/>
+                <a:shade val="90000"/>
+                <a:lumMod val="103000"/>
+              </a:schemeClr>
+            </a:gs>
+            <a:gs pos="100000">
+              <a:schemeClr val="phClr">
+                <a:shade val="63000"/>
+                <a:satMod val="120000"/>
+              </a:schemeClr>
+            </a:gs>
+          </a:gsLst>
+          <a:lin ang="5400000" scaled="0"/>
+        </a:gradFill>
+      </a:bgFillStyleLst>
+    </a:fmtScheme>
+  </a:themeElements>
+  <a:objectDefaults/>
+  <a:extraClrSchemeLst/>
+  <a:extLst>
+    <a:ext uri="{05A4C25C-085E-4340-85A3-A5531E510DB2}">
+      <thm15:themeFamily xmlns:thm15="http://schemas.microsoft.com/office/thememl/2012/main" name="Office Theme" id="{62F939B6-93AF-4DB8-9C6B-D6C7DFDC589F}" vid="{4A3C46E8-61CC-4603-A589-7422A47A8E4A}"/>
+    </a:ext>
+  </a:extLst>
+</a:theme>
 </file>
--- a/Presentation/Prototype.pptx
+++ b/Presentation/Prototype.pptx
@@ -5,14 +5,15 @@
     <p:sldMasterId id="2147483660" r:id="rId1"/>
   </p:sldMasterIdLst>
   <p:notesMasterIdLst>
-    <p:notesMasterId r:id="rId7"/>
+    <p:notesMasterId r:id="rId8"/>
   </p:notesMasterIdLst>
   <p:sldIdLst>
     <p:sldId id="256" r:id="rId2"/>
     <p:sldId id="260" r:id="rId3"/>
     <p:sldId id="257" r:id="rId4"/>
     <p:sldId id="258" r:id="rId5"/>
-    <p:sldId id="259" r:id="rId6"/>
+    <p:sldId id="261" r:id="rId6"/>
+    <p:sldId id="259" r:id="rId7"/>
   </p:sldIdLst>
   <p:sldSz cx="12192000" cy="6858000"/>
   <p:notesSz cx="6858000" cy="9144000"/>
@@ -201,7 +202,7 @@
           <a:p>
             <a:fld id="{7D40A499-B947-4BA1-B100-93C753879AA1}" type="datetimeFigureOut">
               <a:rPr lang="fr-CH" smtClean="0"/>
-              <a:t>07.05.2015</a:t>
+              <a:t>27.05.2015</a:t>
             </a:fld>
             <a:endParaRPr lang="fr-CH"/>
           </a:p>
@@ -530,12 +531,8 @@
           </a:p>
           <a:p>
             <a:r>
-              <a:rPr lang="fr-CH" baseline="0" smtClean="0"/>
-              <a:t>Client </a:t>
-            </a:r>
-            <a:r>
               <a:rPr lang="fr-CH" baseline="0" dirty="0" smtClean="0"/>
-              <a:t>crée un nouvel objet et demande au prototype de se cloner</a:t>
+              <a:t>Client crée un nouvel objet et demande au prototype de se cloner</a:t>
             </a:r>
             <a:endParaRPr lang="fr-CH" dirty="0"/>
           </a:p>
@@ -558,7 +555,7 @@
           <a:p>
             <a:fld id="{ACB99FAF-9BFD-4C02-9F7C-D7DF5E98E461}" type="slidenum">
               <a:rPr lang="fr-CH" smtClean="0"/>
-              <a:t>5</a:t>
+              <a:t>6</a:t>
             </a:fld>
             <a:endParaRPr lang="fr-CH"/>
           </a:p>
@@ -1299,7 +1296,7 @@
           <a:p>
             <a:fld id="{BB1B1333-0921-488D-96BA-D3A8FB3E23FD}" type="datetimeFigureOut">
               <a:rPr lang="fr-CH" smtClean="0"/>
-              <a:t>07.05.2015</a:t>
+              <a:t>27.05.2015</a:t>
             </a:fld>
             <a:endParaRPr lang="fr-CH"/>
           </a:p>
@@ -1550,7 +1547,7 @@
           <a:p>
             <a:fld id="{BB1B1333-0921-488D-96BA-D3A8FB3E23FD}" type="datetimeFigureOut">
               <a:rPr lang="fr-CH" smtClean="0"/>
-              <a:t>07.05.2015</a:t>
+              <a:t>27.05.2015</a:t>
             </a:fld>
             <a:endParaRPr lang="fr-CH"/>
           </a:p>
@@ -1864,7 +1861,7 @@
           <a:p>
             <a:fld id="{BB1B1333-0921-488D-96BA-D3A8FB3E23FD}" type="datetimeFigureOut">
               <a:rPr lang="fr-CH" smtClean="0"/>
-              <a:t>07.05.2015</a:t>
+              <a:t>27.05.2015</a:t>
             </a:fld>
             <a:endParaRPr lang="fr-CH"/>
           </a:p>
@@ -2205,7 +2202,7 @@
           <a:p>
             <a:fld id="{BB1B1333-0921-488D-96BA-D3A8FB3E23FD}" type="datetimeFigureOut">
               <a:rPr lang="fr-CH" smtClean="0"/>
-              <a:t>07.05.2015</a:t>
+              <a:t>27.05.2015</a:t>
             </a:fld>
             <a:endParaRPr lang="fr-CH"/>
           </a:p>
@@ -2519,7 +2516,7 @@
           <a:p>
             <a:fld id="{BB1B1333-0921-488D-96BA-D3A8FB3E23FD}" type="datetimeFigureOut">
               <a:rPr lang="fr-CH" smtClean="0"/>
-              <a:t>07.05.2015</a:t>
+              <a:t>27.05.2015</a:t>
             </a:fld>
             <a:endParaRPr lang="fr-CH"/>
           </a:p>
@@ -2912,7 +2909,7 @@
           <a:p>
             <a:fld id="{BB1B1333-0921-488D-96BA-D3A8FB3E23FD}" type="datetimeFigureOut">
               <a:rPr lang="fr-CH" smtClean="0"/>
-              <a:t>07.05.2015</a:t>
+              <a:t>27.05.2015</a:t>
             </a:fld>
             <a:endParaRPr lang="fr-CH"/>
           </a:p>
@@ -3082,7 +3079,7 @@
           <a:p>
             <a:fld id="{BB1B1333-0921-488D-96BA-D3A8FB3E23FD}" type="datetimeFigureOut">
               <a:rPr lang="fr-CH" smtClean="0"/>
-              <a:t>07.05.2015</a:t>
+              <a:t>27.05.2015</a:t>
             </a:fld>
             <a:endParaRPr lang="fr-CH"/>
           </a:p>
@@ -3262,7 +3259,7 @@
           <a:p>
             <a:fld id="{BB1B1333-0921-488D-96BA-D3A8FB3E23FD}" type="datetimeFigureOut">
               <a:rPr lang="fr-CH" smtClean="0"/>
-              <a:t>07.05.2015</a:t>
+              <a:t>27.05.2015</a:t>
             </a:fld>
             <a:endParaRPr lang="fr-CH"/>
           </a:p>
@@ -3438,7 +3435,7 @@
           <a:p>
             <a:fld id="{BB1B1333-0921-488D-96BA-D3A8FB3E23FD}" type="datetimeFigureOut">
               <a:rPr lang="fr-CH" smtClean="0"/>
-              <a:t>07.05.2015</a:t>
+              <a:t>27.05.2015</a:t>
             </a:fld>
             <a:endParaRPr lang="fr-CH"/>
           </a:p>
@@ -3685,7 +3682,7 @@
           <a:p>
             <a:fld id="{BB1B1333-0921-488D-96BA-D3A8FB3E23FD}" type="datetimeFigureOut">
               <a:rPr lang="fr-CH" smtClean="0"/>
-              <a:t>07.05.2015</a:t>
+              <a:t>27.05.2015</a:t>
             </a:fld>
             <a:endParaRPr lang="fr-CH"/>
           </a:p>
@@ -3917,7 +3914,7 @@
           <a:p>
             <a:fld id="{BB1B1333-0921-488D-96BA-D3A8FB3E23FD}" type="datetimeFigureOut">
               <a:rPr lang="fr-CH" smtClean="0"/>
-              <a:t>07.05.2015</a:t>
+              <a:t>27.05.2015</a:t>
             </a:fld>
             <a:endParaRPr lang="fr-CH"/>
           </a:p>
@@ -4291,7 +4288,7 @@
           <a:p>
             <a:fld id="{BB1B1333-0921-488D-96BA-D3A8FB3E23FD}" type="datetimeFigureOut">
               <a:rPr lang="fr-CH" smtClean="0"/>
-              <a:t>07.05.2015</a:t>
+              <a:t>27.05.2015</a:t>
             </a:fld>
             <a:endParaRPr lang="fr-CH"/>
           </a:p>
@@ -4414,7 +4411,7 @@
           <a:p>
             <a:fld id="{BB1B1333-0921-488D-96BA-D3A8FB3E23FD}" type="datetimeFigureOut">
               <a:rPr lang="fr-CH" smtClean="0"/>
-              <a:t>07.05.2015</a:t>
+              <a:t>27.05.2015</a:t>
             </a:fld>
             <a:endParaRPr lang="fr-CH"/>
           </a:p>
@@ -4509,7 +4506,7 @@
           <a:p>
             <a:fld id="{BB1B1333-0921-488D-96BA-D3A8FB3E23FD}" type="datetimeFigureOut">
               <a:rPr lang="fr-CH" smtClean="0"/>
-              <a:t>07.05.2015</a:t>
+              <a:t>27.05.2015</a:t>
             </a:fld>
             <a:endParaRPr lang="fr-CH"/>
           </a:p>
@@ -4764,7 +4761,7 @@
           <a:p>
             <a:fld id="{BB1B1333-0921-488D-96BA-D3A8FB3E23FD}" type="datetimeFigureOut">
               <a:rPr lang="fr-CH" smtClean="0"/>
-              <a:t>07.05.2015</a:t>
+              <a:t>27.05.2015</a:t>
             </a:fld>
             <a:endParaRPr lang="fr-CH"/>
           </a:p>
@@ -5027,7 +5024,7 @@
           <a:p>
             <a:fld id="{BB1B1333-0921-488D-96BA-D3A8FB3E23FD}" type="datetimeFigureOut">
               <a:rPr lang="fr-CH" smtClean="0"/>
-              <a:t>07.05.2015</a:t>
+              <a:t>27.05.2015</a:t>
             </a:fld>
             <a:endParaRPr lang="fr-CH"/>
           </a:p>
@@ -5770,7 +5767,7 @@
           <a:p>
             <a:fld id="{BB1B1333-0921-488D-96BA-D3A8FB3E23FD}" type="datetimeFigureOut">
               <a:rPr lang="fr-CH" smtClean="0"/>
-              <a:t>07.05.2015</a:t>
+              <a:t>27.05.2015</a:t>
             </a:fld>
             <a:endParaRPr lang="fr-CH"/>
           </a:p>
@@ -6499,9 +6496,97 @@
         </p:nvSpPr>
         <p:spPr/>
         <p:txBody>
-          <a:bodyPr/>
-          <a:lstStyle/>
-          <a:p>
+          <a:bodyPr>
+            <a:normAutofit lnSpcReduction="10000"/>
+          </a:bodyPr>
+          <a:lstStyle/>
+          <a:p>
+            <a:r>
+              <a:rPr lang="fr-CH" dirty="0" smtClean="0"/>
+              <a:t>Prototype</a:t>
+            </a:r>
+            <a:r>
+              <a:rPr lang="fr-CH" dirty="0"/>
+              <a:t> </a:t>
+            </a:r>
+            <a:r>
+              <a:rPr lang="fr-CH" dirty="0" smtClean="0"/>
+              <a:t>est utilisé lorsque la </a:t>
+            </a:r>
+            <a:r>
+              <a:rPr lang="fr-CH" dirty="0"/>
+              <a:t>création d'une instance est complexe ou consommatrice en </a:t>
+            </a:r>
+            <a:r>
+              <a:rPr lang="fr-CH" dirty="0" smtClean="0"/>
+              <a:t>temps.</a:t>
+            </a:r>
+          </a:p>
+          <a:p>
+            <a:r>
+              <a:rPr lang="fr-CH" dirty="0" smtClean="0"/>
+              <a:t>Plutôt </a:t>
+            </a:r>
+            <a:r>
+              <a:rPr lang="fr-CH" dirty="0"/>
+              <a:t>que créer plusieurs instances de la classe, on copie la première instance et on modifie la copie de façon </a:t>
+            </a:r>
+            <a:r>
+              <a:rPr lang="fr-CH" dirty="0" smtClean="0"/>
+              <a:t>appropriée.</a:t>
+            </a:r>
+          </a:p>
+          <a:p>
+            <a:r>
+              <a:rPr lang="fr-CH" dirty="0" smtClean="0"/>
+              <a:t>Pour </a:t>
+            </a:r>
+            <a:r>
+              <a:rPr lang="fr-CH" dirty="0"/>
+              <a:t>implémenter ce </a:t>
+            </a:r>
+            <a:r>
+              <a:rPr lang="fr-CH" dirty="0" smtClean="0"/>
+              <a:t>patron, </a:t>
+            </a:r>
+            <a:r>
+              <a:rPr lang="fr-CH" dirty="0"/>
+              <a:t>il faut déclarer une classe abstraite spécifiant une méthode virtuelle pure appelée </a:t>
+            </a:r>
+            <a:r>
+              <a:rPr lang="fr-CH" i="1" dirty="0"/>
+              <a:t>clone()</a:t>
+            </a:r>
+            <a:r>
+              <a:rPr lang="fr-CH" dirty="0"/>
+              <a:t>. Toute classe nécessitant un constructeur polymorphique dérivera de cette classe abstraite et implémentera la méthode </a:t>
+            </a:r>
+            <a:r>
+              <a:rPr lang="fr-CH" i="1" dirty="0"/>
+              <a:t>clone()</a:t>
+            </a:r>
+            <a:r>
+              <a:rPr lang="fr-CH" dirty="0"/>
+              <a:t>.</a:t>
+            </a:r>
+          </a:p>
+          <a:p>
+            <a:r>
+              <a:rPr lang="fr-CH" dirty="0" smtClean="0"/>
+              <a:t>Le </a:t>
+            </a:r>
+            <a:r>
+              <a:rPr lang="fr-CH" dirty="0"/>
+              <a:t>client de cette classe, au lieu d'écrire du code invoquant directement l'opérateur "new" sur une classe explicitement connue, appellera la méthode </a:t>
+            </a:r>
+            <a:r>
+              <a:rPr lang="fr-CH" i="1" dirty="0"/>
+              <a:t>clone()</a:t>
+            </a:r>
+            <a:r>
+              <a:rPr lang="fr-CH" dirty="0"/>
+              <a:t> sur le prototype ou passera par un mécanisme fourni par un autre patron de conception (par exemple une méthode de fabrique avec un paramètre désignant la classe concrète à instancier).</a:t>
+            </a:r>
             <a:endParaRPr lang="fr-CH" dirty="0"/>
           </a:p>
         </p:txBody>
@@ -6553,7 +6638,7 @@
           <a:p>
             <a:r>
               <a:rPr lang="fr-CH" dirty="0" smtClean="0"/>
-              <a:t>Motivation</a:t>
+              <a:t>Motivation : Pourquoi utiliser ?</a:t>
             </a:r>
             <a:endParaRPr lang="fr-CH" dirty="0"/>
           </a:p>
@@ -6574,7 +6659,77 @@
           <a:bodyPr/>
           <a:lstStyle/>
           <a:p>
-            <a:endParaRPr lang="fr-CH"/>
+            <a:pPr marL="0" indent="0">
+              <a:buNone/>
+            </a:pPr>
+            <a:r>
+              <a:rPr lang="fr-CH" b="1" dirty="0" smtClean="0"/>
+              <a:t>Les ‘plus’ :</a:t>
+            </a:r>
+          </a:p>
+          <a:p>
+            <a:r>
+              <a:rPr lang="fr-CH" dirty="0" smtClean="0"/>
+              <a:t>Permet des économies de coûts (principalement temps).</a:t>
+            </a:r>
+          </a:p>
+          <a:p>
+            <a:r>
+              <a:rPr lang="fr-CH" dirty="0" smtClean="0"/>
+              <a:t>Tout comme les </a:t>
+            </a:r>
+            <a:r>
+              <a:rPr lang="fr-CH" dirty="0" err="1" smtClean="0"/>
+              <a:t>Factory</a:t>
+            </a:r>
+            <a:r>
+              <a:rPr lang="fr-CH" dirty="0" smtClean="0"/>
+              <a:t>, isole les clients des classes d’implémentations concrètes.</a:t>
+            </a:r>
+          </a:p>
+          <a:p>
+            <a:pPr marL="0" indent="0">
+              <a:buNone/>
+            </a:pPr>
+            <a:r>
+              <a:rPr lang="fr-CH" b="1" dirty="0" smtClean="0"/>
+              <a:t>Les ‘moins’ :</a:t>
+            </a:r>
+          </a:p>
+          <a:p>
+            <a:r>
+              <a:rPr lang="fr-CH" smtClean="0"/>
+              <a:t>Copie profonde </a:t>
+            </a:r>
+            <a:r>
+              <a:rPr lang="fr-CH" dirty="0" smtClean="0"/>
+              <a:t>vs copie de surface : Attention à votre implémentation !</a:t>
+            </a:r>
+          </a:p>
+          <a:p>
+            <a:r>
+              <a:rPr lang="fr-CH" dirty="0" smtClean="0"/>
+              <a:t>Il est possible d’avoir une situation où l’on doit initialiser un objet après sa création</a:t>
+            </a:r>
+          </a:p>
+          <a:p>
+            <a:r>
+              <a:rPr lang="fr-CH" dirty="0" smtClean="0"/>
+              <a:t>Encore un modèle à connaitre… </a:t>
+            </a:r>
+            <a:r>
+              <a:rPr lang="fr-CH" dirty="0" smtClean="0">
+                <a:sym typeface="Wingdings" panose="05000000000000000000" pitchFamily="2" charset="2"/>
+              </a:rPr>
+              <a:t></a:t>
+            </a:r>
+            <a:endParaRPr lang="fr-CH" dirty="0"/>
+          </a:p>
+          <a:p>
+            <a:endParaRPr lang="fr-CH" dirty="0" smtClean="0"/>
+          </a:p>
+          <a:p>
+            <a:endParaRPr lang="fr-CH" dirty="0"/>
           </a:p>
         </p:txBody>
       </p:sp>
@@ -6625,6 +6780,126 @@
           <a:p>
             <a:r>
               <a:rPr lang="fr-CH" dirty="0" smtClean="0"/>
+              <a:t>Application – Quand utiliser ?</a:t>
+            </a:r>
+            <a:endParaRPr lang="fr-CH" dirty="0"/>
+          </a:p>
+        </p:txBody>
+      </p:sp>
+      <p:sp>
+        <p:nvSpPr>
+          <p:cNvPr id="3" name="Espace réservé du contenu 2"/>
+          <p:cNvSpPr>
+            <a:spLocks noGrp="1"/>
+          </p:cNvSpPr>
+          <p:nvPr>
+            <p:ph idx="1"/>
+          </p:nvPr>
+        </p:nvSpPr>
+        <p:spPr/>
+        <p:txBody>
+          <a:bodyPr>
+            <a:normAutofit lnSpcReduction="10000"/>
+          </a:bodyPr>
+          <a:lstStyle/>
+          <a:p>
+            <a:r>
+              <a:rPr lang="fr-CH" dirty="0" smtClean="0"/>
+              <a:t>Lorsque la création, la production et la représentation d’un produit doit être indépendante du système l’utilisant (un vendeur de cookie veut des cookies, il ne s’intéresse pas à comment ils ont été cuisiné, la recette utilisée, la forme, chocolat ou noisettes, …).</a:t>
+            </a:r>
+            <a:endParaRPr lang="fr-CH" dirty="0"/>
+          </a:p>
+          <a:p>
+            <a:pPr marL="0" indent="0">
+              <a:buNone/>
+            </a:pPr>
+            <a:r>
+              <a:rPr lang="fr-CH" dirty="0" smtClean="0"/>
+              <a:t>Ainsi qu’au moins un des cas suivants :</a:t>
+            </a:r>
+            <a:endParaRPr lang="fr-CH" dirty="0"/>
+          </a:p>
+          <a:p>
+            <a:r>
+              <a:rPr lang="fr-CH" dirty="0" smtClean="0"/>
+              <a:t>Lorsque les classes à instancier sont spécifiées uniquement lors de l’exécution (chargement dynamique).</a:t>
+            </a:r>
+          </a:p>
+          <a:p>
+            <a:r>
+              <a:rPr lang="fr-CH" dirty="0" smtClean="0"/>
+              <a:t>Afin d’éviter la création d’une hiérarchie de </a:t>
+            </a:r>
+            <a:r>
+              <a:rPr lang="fr-CH" dirty="0" err="1" smtClean="0"/>
+              <a:t>Factory</a:t>
+            </a:r>
+            <a:r>
+              <a:rPr lang="fr-CH" dirty="0" smtClean="0"/>
+              <a:t> en parallèle à la hiérarchie de classes du produit.</a:t>
+            </a:r>
+          </a:p>
+          <a:p>
+            <a:r>
+              <a:rPr lang="fr-CH" dirty="0" smtClean="0"/>
+              <a:t>Lorsqu’il est plus pratique de cloner un produit déjà existant puis le modifier que d’instancier un nouveau produit (classes à état, construction coûteuse en temps, …).</a:t>
+            </a:r>
+          </a:p>
+          <a:p>
+            <a:endParaRPr lang="fr-CH" dirty="0" smtClean="0"/>
+          </a:p>
+          <a:p>
+            <a:endParaRPr lang="fr-CH" dirty="0"/>
+          </a:p>
+        </p:txBody>
+      </p:sp>
+    </p:spTree>
+    <p:extLst>
+      <p:ext uri="{BB962C8B-B14F-4D97-AF65-F5344CB8AC3E}">
+        <p14:creationId xmlns:p14="http://schemas.microsoft.com/office/powerpoint/2010/main" val="1688841031"/>
+      </p:ext>
+    </p:extLst>
+  </p:cSld>
+  <p:clrMapOvr>
+    <a:masterClrMapping/>
+  </p:clrMapOvr>
+</p:sld>
+</file>
+
+<file path=ppt/slides/slide6.xml><?xml version="1.0" encoding="utf-8"?>
+<p:sld xmlns:a="http://schemas.openxmlformats.org/drawingml/2006/main" xmlns:r="http://schemas.openxmlformats.org/officeDocument/2006/relationships" xmlns:p="http://schemas.openxmlformats.org/presentationml/2006/main">
+  <p:cSld>
+    <p:spTree>
+      <p:nvGrpSpPr>
+        <p:cNvPr id="1" name=""/>
+        <p:cNvGrpSpPr/>
+        <p:nvPr/>
+      </p:nvGrpSpPr>
+      <p:grpSpPr>
+        <a:xfrm>
+          <a:off x="0" y="0"/>
+          <a:ext cx="0" cy="0"/>
+          <a:chOff x="0" y="0"/>
+          <a:chExt cx="0" cy="0"/>
+        </a:xfrm>
+      </p:grpSpPr>
+      <p:sp>
+        <p:nvSpPr>
+          <p:cNvPr id="2" name="Titre 1"/>
+          <p:cNvSpPr>
+            <a:spLocks noGrp="1"/>
+          </p:cNvSpPr>
+          <p:nvPr>
+            <p:ph type="title"/>
+          </p:nvPr>
+        </p:nvSpPr>
+        <p:spPr/>
+        <p:txBody>
+          <a:bodyPr/>
+          <a:lstStyle/>
+          <a:p>
+            <a:r>
+              <a:rPr lang="fr-CH" dirty="0" smtClean="0"/>
               <a:t>Structure</a:t>
             </a:r>
             <a:endParaRPr lang="fr-CH" dirty="0"/>
@@ -6649,8 +6924,32 @@
         </p:blipFill>
         <p:spPr>
           <a:xfrm>
-            <a:off x="2689214" y="1552576"/>
-            <a:ext cx="5503885" cy="3791752"/>
+            <a:off x="5084685" y="1742882"/>
+            <a:ext cx="4685600" cy="3228017"/>
+          </a:xfrm>
+          <a:prstGeom prst="rect">
+            <a:avLst/>
+          </a:prstGeom>
+        </p:spPr>
+      </p:pic>
+      <p:pic>
+        <p:nvPicPr>
+          <p:cNvPr id="5" name="Image 4"/>
+          <p:cNvPicPr>
+            <a:picLocks noChangeAspect="1"/>
+          </p:cNvPicPr>
+          <p:nvPr/>
+        </p:nvPicPr>
+        <p:blipFill>
+          <a:blip r:embed="rId4"/>
+          <a:stretch>
+            <a:fillRect/>
+          </a:stretch>
+        </p:blipFill>
+        <p:spPr>
+          <a:xfrm>
+            <a:off x="539831" y="1634375"/>
+            <a:ext cx="4200417" cy="3637233"/>
           </a:xfrm>
           <a:prstGeom prst="rect">
             <a:avLst/>

--- a/Presentation/Prototype.pptx
+++ b/Presentation/Prototype.pptx
@@ -6934,7 +6934,7 @@
       </p:pic>
       <p:pic>
         <p:nvPicPr>
-          <p:cNvPr id="5" name="Image 4"/>
+          <p:cNvPr id="6" name="Image 5"/>
           <p:cNvPicPr>
             <a:picLocks noChangeAspect="1"/>
           </p:cNvPicPr>
@@ -6948,8 +6948,8 @@
         </p:blipFill>
         <p:spPr>
           <a:xfrm>
-            <a:off x="539831" y="1634375"/>
-            <a:ext cx="4200417" cy="3637233"/>
+            <a:off x="861441" y="1930400"/>
+            <a:ext cx="3297695" cy="2545202"/>
           </a:xfrm>
           <a:prstGeom prst="rect">
             <a:avLst/>
